--- a/doc/figures.pptx
+++ b/doc/figures.pptx
@@ -256,7 +256,7 @@
           <a:p>
             <a:fld id="{DFFD1A94-22BE-487C-A4AD-5AFB4510211D}" type="datetimeFigureOut">
               <a:rPr lang="en-US" smtClean="0"/>
-              <a:t>6/25/2019</a:t>
+              <a:t>7/2/2019</a:t>
             </a:fld>
             <a:endParaRPr lang="en-US"/>
           </a:p>
@@ -426,7 +426,7 @@
           <a:p>
             <a:fld id="{DFFD1A94-22BE-487C-A4AD-5AFB4510211D}" type="datetimeFigureOut">
               <a:rPr lang="en-US" smtClean="0"/>
-              <a:t>6/25/2019</a:t>
+              <a:t>7/2/2019</a:t>
             </a:fld>
             <a:endParaRPr lang="en-US"/>
           </a:p>
@@ -606,7 +606,7 @@
           <a:p>
             <a:fld id="{DFFD1A94-22BE-487C-A4AD-5AFB4510211D}" type="datetimeFigureOut">
               <a:rPr lang="en-US" smtClean="0"/>
-              <a:t>6/25/2019</a:t>
+              <a:t>7/2/2019</a:t>
             </a:fld>
             <a:endParaRPr lang="en-US"/>
           </a:p>
@@ -776,7 +776,7 @@
           <a:p>
             <a:fld id="{DFFD1A94-22BE-487C-A4AD-5AFB4510211D}" type="datetimeFigureOut">
               <a:rPr lang="en-US" smtClean="0"/>
-              <a:t>6/25/2019</a:t>
+              <a:t>7/2/2019</a:t>
             </a:fld>
             <a:endParaRPr lang="en-US"/>
           </a:p>
@@ -1020,7 +1020,7 @@
           <a:p>
             <a:fld id="{DFFD1A94-22BE-487C-A4AD-5AFB4510211D}" type="datetimeFigureOut">
               <a:rPr lang="en-US" smtClean="0"/>
-              <a:t>6/25/2019</a:t>
+              <a:t>7/2/2019</a:t>
             </a:fld>
             <a:endParaRPr lang="en-US"/>
           </a:p>
@@ -1252,7 +1252,7 @@
           <a:p>
             <a:fld id="{DFFD1A94-22BE-487C-A4AD-5AFB4510211D}" type="datetimeFigureOut">
               <a:rPr lang="en-US" smtClean="0"/>
-              <a:t>6/25/2019</a:t>
+              <a:t>7/2/2019</a:t>
             </a:fld>
             <a:endParaRPr lang="en-US"/>
           </a:p>
@@ -1619,7 +1619,7 @@
           <a:p>
             <a:fld id="{DFFD1A94-22BE-487C-A4AD-5AFB4510211D}" type="datetimeFigureOut">
               <a:rPr lang="en-US" smtClean="0"/>
-              <a:t>6/25/2019</a:t>
+              <a:t>7/2/2019</a:t>
             </a:fld>
             <a:endParaRPr lang="en-US"/>
           </a:p>
@@ -1737,7 +1737,7 @@
           <a:p>
             <a:fld id="{DFFD1A94-22BE-487C-A4AD-5AFB4510211D}" type="datetimeFigureOut">
               <a:rPr lang="en-US" smtClean="0"/>
-              <a:t>6/25/2019</a:t>
+              <a:t>7/2/2019</a:t>
             </a:fld>
             <a:endParaRPr lang="en-US"/>
           </a:p>
@@ -1832,7 +1832,7 @@
           <a:p>
             <a:fld id="{DFFD1A94-22BE-487C-A4AD-5AFB4510211D}" type="datetimeFigureOut">
               <a:rPr lang="en-US" smtClean="0"/>
-              <a:t>6/25/2019</a:t>
+              <a:t>7/2/2019</a:t>
             </a:fld>
             <a:endParaRPr lang="en-US"/>
           </a:p>
@@ -2109,7 +2109,7 @@
           <a:p>
             <a:fld id="{DFFD1A94-22BE-487C-A4AD-5AFB4510211D}" type="datetimeFigureOut">
               <a:rPr lang="en-US" smtClean="0"/>
-              <a:t>6/25/2019</a:t>
+              <a:t>7/2/2019</a:t>
             </a:fld>
             <a:endParaRPr lang="en-US"/>
           </a:p>
@@ -2366,7 +2366,7 @@
           <a:p>
             <a:fld id="{DFFD1A94-22BE-487C-A4AD-5AFB4510211D}" type="datetimeFigureOut">
               <a:rPr lang="en-US" smtClean="0"/>
-              <a:t>6/25/2019</a:t>
+              <a:t>7/2/2019</a:t>
             </a:fld>
             <a:endParaRPr lang="en-US"/>
           </a:p>
@@ -2579,7 +2579,7 @@
           <a:p>
             <a:fld id="{DFFD1A94-22BE-487C-A4AD-5AFB4510211D}" type="datetimeFigureOut">
               <a:rPr lang="en-US" smtClean="0"/>
-              <a:t>6/25/2019</a:t>
+              <a:t>7/2/2019</a:t>
             </a:fld>
             <a:endParaRPr lang="en-US"/>
           </a:p>
@@ -2984,41 +2984,6 @@
           <a:chExt cx="0" cy="0"/>
         </a:xfrm>
       </p:grpSpPr>
-      <p:sp>
-        <p:nvSpPr>
-          <p:cNvPr id="4" name="TextBox 3">
-            <a:extLst>
-              <a:ext uri="{FF2B5EF4-FFF2-40B4-BE49-F238E27FC236}">
-                <a16:creationId xmlns:a16="http://schemas.microsoft.com/office/drawing/2014/main" id="{0F9C7E43-F297-4196-B1DF-B43D494A27C3}"/>
-              </a:ext>
-            </a:extLst>
-          </p:cNvPr>
-          <p:cNvSpPr txBox="1"/>
-          <p:nvPr/>
-        </p:nvSpPr>
-        <p:spPr>
-          <a:xfrm>
-            <a:off x="707667" y="2894275"/>
-            <a:ext cx="7752507" cy="1015663"/>
-          </a:xfrm>
-          <a:prstGeom prst="rect">
-            <a:avLst/>
-          </a:prstGeom>
-          <a:noFill/>
-        </p:spPr>
-        <p:txBody>
-          <a:bodyPr wrap="none" rtlCol="0">
-            <a:spAutoFit/>
-          </a:bodyPr>
-          <a:lstStyle/>
-          <a:p>
-            <a:r>
-              <a:rPr lang="en-US" sz="6000" dirty="0"/>
-              <a:t>[Placeholder: Traps Pics]</a:t>
-            </a:r>
-          </a:p>
-        </p:txBody>
-      </p:sp>
     </p:spTree>
     <p:extLst>
       <p:ext uri="{BB962C8B-B14F-4D97-AF65-F5344CB8AC3E}">
